--- a/Documentation/Master Vortrag ML_group5_v01.pptx
+++ b/Documentation/Master Vortrag ML_group5_v01.pptx
@@ -4606,8 +4606,8 @@
           <a:lstStyle/>
           <a:p>
             <a:r>
-              <a:rPr lang="en-GB" sz="800" noProof="0"/>
-              <a:t>Conclustion</a:t>
+              <a:rPr lang="en-GB" sz="800" noProof="0" dirty="0"/>
+              <a:t>Conclusion</a:t>
             </a:r>
           </a:p>
         </p:txBody>
@@ -9934,9 +9934,10 @@
               <a:t>			</a:t>
             </a:r>
             <a:r>
-              <a:rPr lang="de-DE" u="sng" dirty="0"/>
-              <a:t>Agenda</a:t>
-            </a:r>
+              <a:rPr lang="de-DE" u="sng" dirty="0" err="1"/>
+              <a:t>Overview</a:t>
+            </a:r>
+            <a:endParaRPr lang="de-DE" u="sng" dirty="0"/>
           </a:p>
         </p:txBody>
       </p:sp>
@@ -10014,7 +10015,7 @@
             </a:pPr>
             <a:r>
               <a:rPr lang="de-DE" dirty="0" err="1"/>
-              <a:t>Conclution</a:t>
+              <a:t>Conclusion</a:t>
             </a:r>
             <a:endParaRPr lang="de-DE" dirty="0"/>
           </a:p>
@@ -16043,7 +16044,27 @@
             </a:pPr>
             <a:r>
               <a:rPr lang="en-DE" dirty="0"/>
-              <a:t>Used for tasks such that any rule-based approach is unfeasable.</a:t>
+              <a:t>Used for </a:t>
+            </a:r>
+            <a:r>
+              <a:rPr lang="en-DE"/>
+              <a:t>tasks </a:t>
+            </a:r>
+            <a:r>
+              <a:rPr lang="de-DE" dirty="0" err="1"/>
+              <a:t>where</a:t>
+            </a:r>
+            <a:r>
+              <a:rPr lang="de-DE" dirty="0"/>
+              <a:t> </a:t>
+            </a:r>
+            <a:r>
+              <a:rPr lang="en-DE"/>
+              <a:t>any </a:t>
+            </a:r>
+            <a:r>
+              <a:rPr lang="en-DE" dirty="0"/>
+              <a:t>rule-based approach is unfeasable.</a:t>
             </a:r>
           </a:p>
         </p:txBody>
